--- a/plots/supplementary_material/simulations_3d.pptx
+++ b/plots/supplementary_material/simulations_3d.pptx
@@ -2,12 +2,12 @@
 <file path=ppt/presentation.xml><?xml version="1.0" encoding="utf-8"?>
 <p:presentation xmlns:a="http://schemas.openxmlformats.org/drawingml/2006/main" xmlns:r="http://schemas.openxmlformats.org/officeDocument/2006/relationships" xmlns:p="http://schemas.openxmlformats.org/presentationml/2006/main" saveSubsetFonts="1" autoCompressPictures="0">
   <p:sldMasterIdLst>
-    <p:sldMasterId id="2147483660" r:id="rId1"/>
+    <p:sldMasterId id="2147483684" r:id="rId1"/>
   </p:sldMasterIdLst>
   <p:sldIdLst>
     <p:sldId id="256" r:id="rId2"/>
   </p:sldIdLst>
-  <p:sldSz cx="6858000" cy="12192000"/>
+  <p:sldSz cx="12192000" cy="12193588"/>
   <p:notesSz cx="6858000" cy="9144000"/>
   <p:defaultTextStyle>
     <a:defPPr>
@@ -107,12 +107,12 @@
   <p:extLst>
     <p:ext uri="{EFAFB233-063F-42B5-8137-9DF3F51BA10A}">
       <p15:sldGuideLst xmlns:p15="http://schemas.microsoft.com/office/powerpoint/2012/main">
-        <p15:guide id="1" orient="horz" pos="3840" userDrawn="1">
+        <p15:guide id="1" orient="horz" pos="189" userDrawn="1">
           <p15:clr>
             <a:srgbClr val="A4A3A4"/>
           </p15:clr>
         </p15:guide>
-        <p15:guide id="2" pos="2160" userDrawn="1">
+        <p15:guide id="2" pos="3840" userDrawn="1">
           <p15:clr>
             <a:srgbClr val="A4A3A4"/>
           </p15:clr>
@@ -152,15 +152,15 @@
         </p:nvSpPr>
         <p:spPr>
           <a:xfrm>
-            <a:off x="514350" y="1995312"/>
-            <a:ext cx="5829300" cy="4244622"/>
+            <a:off x="914400" y="1995572"/>
+            <a:ext cx="10363200" cy="4245175"/>
           </a:xfrm>
         </p:spPr>
         <p:txBody>
           <a:bodyPr anchor="b"/>
           <a:lstStyle>
             <a:lvl1pPr algn="ctr">
-              <a:defRPr sz="4500"/>
+              <a:defRPr sz="8000"/>
             </a:lvl1pPr>
           </a:lstStyle>
           <a:p>
@@ -184,8 +184,8 @@
         </p:nvSpPr>
         <p:spPr>
           <a:xfrm>
-            <a:off x="857250" y="6403623"/>
-            <a:ext cx="5143500" cy="2943577"/>
+            <a:off x="1524000" y="6404457"/>
+            <a:ext cx="9144000" cy="2943960"/>
           </a:xfrm>
         </p:spPr>
         <p:txBody>
@@ -193,39 +193,39 @@
           <a:lstStyle>
             <a:lvl1pPr marL="0" indent="0" algn="ctr">
               <a:buNone/>
-              <a:defRPr sz="1800"/>
+              <a:defRPr sz="3200"/>
             </a:lvl1pPr>
-            <a:lvl2pPr marL="342900" indent="0" algn="ctr">
-              <a:buNone/>
-              <a:defRPr sz="1500"/>
+            <a:lvl2pPr marL="609585" indent="0" algn="ctr">
+              <a:buNone/>
+              <a:defRPr sz="2667"/>
             </a:lvl2pPr>
-            <a:lvl3pPr marL="685800" indent="0" algn="ctr">
-              <a:buNone/>
-              <a:defRPr sz="1350"/>
+            <a:lvl3pPr marL="1219170" indent="0" algn="ctr">
+              <a:buNone/>
+              <a:defRPr sz="2400"/>
             </a:lvl3pPr>
-            <a:lvl4pPr marL="1028700" indent="0" algn="ctr">
-              <a:buNone/>
-              <a:defRPr sz="1200"/>
+            <a:lvl4pPr marL="1828754" indent="0" algn="ctr">
+              <a:buNone/>
+              <a:defRPr sz="2133"/>
             </a:lvl4pPr>
-            <a:lvl5pPr marL="1371600" indent="0" algn="ctr">
-              <a:buNone/>
-              <a:defRPr sz="1200"/>
+            <a:lvl5pPr marL="2438339" indent="0" algn="ctr">
+              <a:buNone/>
+              <a:defRPr sz="2133"/>
             </a:lvl5pPr>
-            <a:lvl6pPr marL="1714500" indent="0" algn="ctr">
-              <a:buNone/>
-              <a:defRPr sz="1200"/>
+            <a:lvl6pPr marL="3047924" indent="0" algn="ctr">
+              <a:buNone/>
+              <a:defRPr sz="2133"/>
             </a:lvl6pPr>
-            <a:lvl7pPr marL="2057400" indent="0" algn="ctr">
-              <a:buNone/>
-              <a:defRPr sz="1200"/>
+            <a:lvl7pPr marL="3657509" indent="0" algn="ctr">
+              <a:buNone/>
+              <a:defRPr sz="2133"/>
             </a:lvl7pPr>
-            <a:lvl8pPr marL="2400300" indent="0" algn="ctr">
-              <a:buNone/>
-              <a:defRPr sz="1200"/>
+            <a:lvl8pPr marL="4267093" indent="0" algn="ctr">
+              <a:buNone/>
+              <a:defRPr sz="2133"/>
             </a:lvl8pPr>
-            <a:lvl9pPr marL="2743200" indent="0" algn="ctr">
-              <a:buNone/>
-              <a:defRPr sz="1200"/>
+            <a:lvl9pPr marL="4876678" indent="0" algn="ctr">
+              <a:buNone/>
+              <a:defRPr sz="2133"/>
             </a:lvl9pPr>
           </a:lstStyle>
           <a:p>
@@ -254,7 +254,7 @@
           <a:p>
             <a:fld id="{233421D4-8BC5-964A-874D-0AA85E78EE4C}" type="datetimeFigureOut">
               <a:rPr lang="en-GB" smtClean="0"/>
-              <a:t>13/04/2022</a:t>
+              <a:t>15/04/2022</a:t>
             </a:fld>
             <a:endParaRPr lang="en-GB"/>
           </a:p>
@@ -305,7 +305,7 @@
     </p:spTree>
     <p:extLst>
       <p:ext uri="{BB962C8B-B14F-4D97-AF65-F5344CB8AC3E}">
-        <p14:creationId xmlns:p14="http://schemas.microsoft.com/office/powerpoint/2010/main" val="1533691730"/>
+        <p14:creationId xmlns:p14="http://schemas.microsoft.com/office/powerpoint/2010/main" val="3299878810"/>
       </p:ext>
     </p:extLst>
   </p:cSld>
@@ -424,7 +424,7 @@
           <a:p>
             <a:fld id="{233421D4-8BC5-964A-874D-0AA85E78EE4C}" type="datetimeFigureOut">
               <a:rPr lang="en-GB" smtClean="0"/>
-              <a:t>13/04/2022</a:t>
+              <a:t>15/04/2022</a:t>
             </a:fld>
             <a:endParaRPr lang="en-GB"/>
           </a:p>
@@ -475,7 +475,7 @@
     </p:spTree>
     <p:extLst>
       <p:ext uri="{BB962C8B-B14F-4D97-AF65-F5344CB8AC3E}">
-        <p14:creationId xmlns:p14="http://schemas.microsoft.com/office/powerpoint/2010/main" val="694584563"/>
+        <p14:creationId xmlns:p14="http://schemas.microsoft.com/office/powerpoint/2010/main" val="2511923008"/>
       </p:ext>
     </p:extLst>
   </p:cSld>
@@ -514,8 +514,8 @@
         </p:nvSpPr>
         <p:spPr>
           <a:xfrm>
-            <a:off x="4907757" y="649111"/>
-            <a:ext cx="1478756" cy="10332156"/>
+            <a:off x="8724901" y="649196"/>
+            <a:ext cx="2628900" cy="10333502"/>
           </a:xfrm>
         </p:spPr>
         <p:txBody>
@@ -542,8 +542,8 @@
         </p:nvSpPr>
         <p:spPr>
           <a:xfrm>
-            <a:off x="471488" y="649111"/>
-            <a:ext cx="4350544" cy="10332156"/>
+            <a:off x="838201" y="649196"/>
+            <a:ext cx="7734300" cy="10333502"/>
           </a:xfrm>
         </p:spPr>
         <p:txBody>
@@ -604,7 +604,7 @@
           <a:p>
             <a:fld id="{233421D4-8BC5-964A-874D-0AA85E78EE4C}" type="datetimeFigureOut">
               <a:rPr lang="en-GB" smtClean="0"/>
-              <a:t>13/04/2022</a:t>
+              <a:t>15/04/2022</a:t>
             </a:fld>
             <a:endParaRPr lang="en-GB"/>
           </a:p>
@@ -655,7 +655,7 @@
     </p:spTree>
     <p:extLst>
       <p:ext uri="{BB962C8B-B14F-4D97-AF65-F5344CB8AC3E}">
-        <p14:creationId xmlns:p14="http://schemas.microsoft.com/office/powerpoint/2010/main" val="216572688"/>
+        <p14:creationId xmlns:p14="http://schemas.microsoft.com/office/powerpoint/2010/main" val="1126787336"/>
       </p:ext>
     </p:extLst>
   </p:cSld>
@@ -774,7 +774,7 @@
           <a:p>
             <a:fld id="{233421D4-8BC5-964A-874D-0AA85E78EE4C}" type="datetimeFigureOut">
               <a:rPr lang="en-GB" smtClean="0"/>
-              <a:t>13/04/2022</a:t>
+              <a:t>15/04/2022</a:t>
             </a:fld>
             <a:endParaRPr lang="en-GB"/>
           </a:p>
@@ -825,7 +825,7 @@
     </p:spTree>
     <p:extLst>
       <p:ext uri="{BB962C8B-B14F-4D97-AF65-F5344CB8AC3E}">
-        <p14:creationId xmlns:p14="http://schemas.microsoft.com/office/powerpoint/2010/main" val="3705483076"/>
+        <p14:creationId xmlns:p14="http://schemas.microsoft.com/office/powerpoint/2010/main" val="2047404889"/>
       </p:ext>
     </p:extLst>
   </p:cSld>
@@ -864,15 +864,15 @@
         </p:nvSpPr>
         <p:spPr>
           <a:xfrm>
-            <a:off x="467916" y="3039537"/>
-            <a:ext cx="5915025" cy="5071532"/>
+            <a:off x="831851" y="3039933"/>
+            <a:ext cx="10515600" cy="5072193"/>
           </a:xfrm>
         </p:spPr>
         <p:txBody>
           <a:bodyPr anchor="b"/>
           <a:lstStyle>
             <a:lvl1pPr>
-              <a:defRPr sz="4500"/>
+              <a:defRPr sz="8000"/>
             </a:lvl1pPr>
           </a:lstStyle>
           <a:p>
@@ -896,8 +896,8 @@
         </p:nvSpPr>
         <p:spPr>
           <a:xfrm>
-            <a:off x="467916" y="8159048"/>
-            <a:ext cx="5915025" cy="2666999"/>
+            <a:off x="831851" y="8160111"/>
+            <a:ext cx="10515600" cy="2667346"/>
           </a:xfrm>
         </p:spPr>
         <p:txBody>
@@ -905,15 +905,15 @@
           <a:lstStyle>
             <a:lvl1pPr marL="0" indent="0">
               <a:buNone/>
-              <a:defRPr sz="1800">
+              <a:defRPr sz="3200">
                 <a:solidFill>
                   <a:schemeClr val="tx1"/>
                 </a:solidFill>
               </a:defRPr>
             </a:lvl1pPr>
-            <a:lvl2pPr marL="342900" indent="0">
-              <a:buNone/>
-              <a:defRPr sz="1500">
+            <a:lvl2pPr marL="609585" indent="0">
+              <a:buNone/>
+              <a:defRPr sz="2667">
                 <a:solidFill>
                   <a:schemeClr val="tx1">
                     <a:tint val="75000"/>
@@ -921,9 +921,9 @@
                 </a:solidFill>
               </a:defRPr>
             </a:lvl2pPr>
-            <a:lvl3pPr marL="685800" indent="0">
-              <a:buNone/>
-              <a:defRPr sz="1350">
+            <a:lvl3pPr marL="1219170" indent="0">
+              <a:buNone/>
+              <a:defRPr sz="2400">
                 <a:solidFill>
                   <a:schemeClr val="tx1">
                     <a:tint val="75000"/>
@@ -931,9 +931,9 @@
                 </a:solidFill>
               </a:defRPr>
             </a:lvl3pPr>
-            <a:lvl4pPr marL="1028700" indent="0">
-              <a:buNone/>
-              <a:defRPr sz="1200">
+            <a:lvl4pPr marL="1828754" indent="0">
+              <a:buNone/>
+              <a:defRPr sz="2133">
                 <a:solidFill>
                   <a:schemeClr val="tx1">
                     <a:tint val="75000"/>
@@ -941,9 +941,9 @@
                 </a:solidFill>
               </a:defRPr>
             </a:lvl4pPr>
-            <a:lvl5pPr marL="1371600" indent="0">
-              <a:buNone/>
-              <a:defRPr sz="1200">
+            <a:lvl5pPr marL="2438339" indent="0">
+              <a:buNone/>
+              <a:defRPr sz="2133">
                 <a:solidFill>
                   <a:schemeClr val="tx1">
                     <a:tint val="75000"/>
@@ -951,9 +951,9 @@
                 </a:solidFill>
               </a:defRPr>
             </a:lvl5pPr>
-            <a:lvl6pPr marL="1714500" indent="0">
-              <a:buNone/>
-              <a:defRPr sz="1200">
+            <a:lvl6pPr marL="3047924" indent="0">
+              <a:buNone/>
+              <a:defRPr sz="2133">
                 <a:solidFill>
                   <a:schemeClr val="tx1">
                     <a:tint val="75000"/>
@@ -961,9 +961,9 @@
                 </a:solidFill>
               </a:defRPr>
             </a:lvl6pPr>
-            <a:lvl7pPr marL="2057400" indent="0">
-              <a:buNone/>
-              <a:defRPr sz="1200">
+            <a:lvl7pPr marL="3657509" indent="0">
+              <a:buNone/>
+              <a:defRPr sz="2133">
                 <a:solidFill>
                   <a:schemeClr val="tx1">
                     <a:tint val="75000"/>
@@ -971,9 +971,9 @@
                 </a:solidFill>
               </a:defRPr>
             </a:lvl7pPr>
-            <a:lvl8pPr marL="2400300" indent="0">
-              <a:buNone/>
-              <a:defRPr sz="1200">
+            <a:lvl8pPr marL="4267093" indent="0">
+              <a:buNone/>
+              <a:defRPr sz="2133">
                 <a:solidFill>
                   <a:schemeClr val="tx1">
                     <a:tint val="75000"/>
@@ -981,9 +981,9 @@
                 </a:solidFill>
               </a:defRPr>
             </a:lvl8pPr>
-            <a:lvl9pPr marL="2743200" indent="0">
-              <a:buNone/>
-              <a:defRPr sz="1200">
+            <a:lvl9pPr marL="4876678" indent="0">
+              <a:buNone/>
+              <a:defRPr sz="2133">
                 <a:solidFill>
                   <a:schemeClr val="tx1">
                     <a:tint val="75000"/>
@@ -1018,7 +1018,7 @@
           <a:p>
             <a:fld id="{233421D4-8BC5-964A-874D-0AA85E78EE4C}" type="datetimeFigureOut">
               <a:rPr lang="en-GB" smtClean="0"/>
-              <a:t>13/04/2022</a:t>
+              <a:t>15/04/2022</a:t>
             </a:fld>
             <a:endParaRPr lang="en-GB"/>
           </a:p>
@@ -1069,7 +1069,7 @@
     </p:spTree>
     <p:extLst>
       <p:ext uri="{BB962C8B-B14F-4D97-AF65-F5344CB8AC3E}">
-        <p14:creationId xmlns:p14="http://schemas.microsoft.com/office/powerpoint/2010/main" val="3241802468"/>
+        <p14:creationId xmlns:p14="http://schemas.microsoft.com/office/powerpoint/2010/main" val="4137433523"/>
       </p:ext>
     </p:extLst>
   </p:cSld>
@@ -1131,8 +1131,8 @@
         </p:nvSpPr>
         <p:spPr>
           <a:xfrm>
-            <a:off x="471488" y="3245556"/>
-            <a:ext cx="2914650" cy="7735712"/>
+            <a:off x="838200" y="3245978"/>
+            <a:ext cx="5181600" cy="7736720"/>
           </a:xfrm>
         </p:spPr>
         <p:txBody>
@@ -1188,8 +1188,8 @@
         </p:nvSpPr>
         <p:spPr>
           <a:xfrm>
-            <a:off x="3471863" y="3245556"/>
-            <a:ext cx="2914650" cy="7735712"/>
+            <a:off x="6172200" y="3245978"/>
+            <a:ext cx="5181600" cy="7736720"/>
           </a:xfrm>
         </p:spPr>
         <p:txBody>
@@ -1250,7 +1250,7 @@
           <a:p>
             <a:fld id="{233421D4-8BC5-964A-874D-0AA85E78EE4C}" type="datetimeFigureOut">
               <a:rPr lang="en-GB" smtClean="0"/>
-              <a:t>13/04/2022</a:t>
+              <a:t>15/04/2022</a:t>
             </a:fld>
             <a:endParaRPr lang="en-GB"/>
           </a:p>
@@ -1301,7 +1301,7 @@
     </p:spTree>
     <p:extLst>
       <p:ext uri="{BB962C8B-B14F-4D97-AF65-F5344CB8AC3E}">
-        <p14:creationId xmlns:p14="http://schemas.microsoft.com/office/powerpoint/2010/main" val="2954123704"/>
+        <p14:creationId xmlns:p14="http://schemas.microsoft.com/office/powerpoint/2010/main" val="3469230323"/>
       </p:ext>
     </p:extLst>
   </p:cSld>
@@ -1340,8 +1340,8 @@
         </p:nvSpPr>
         <p:spPr>
           <a:xfrm>
-            <a:off x="472381" y="649114"/>
-            <a:ext cx="5915025" cy="2356556"/>
+            <a:off x="839788" y="649199"/>
+            <a:ext cx="10515600" cy="2356863"/>
           </a:xfrm>
         </p:spPr>
         <p:txBody>
@@ -1368,8 +1368,8 @@
         </p:nvSpPr>
         <p:spPr>
           <a:xfrm>
-            <a:off x="472381" y="2988734"/>
-            <a:ext cx="2901255" cy="1464732"/>
+            <a:off x="839789" y="2989124"/>
+            <a:ext cx="5157787" cy="1464923"/>
           </a:xfrm>
         </p:spPr>
         <p:txBody>
@@ -1377,39 +1377,39 @@
           <a:lstStyle>
             <a:lvl1pPr marL="0" indent="0">
               <a:buNone/>
-              <a:defRPr sz="1800" b="1"/>
+              <a:defRPr sz="3200" b="1"/>
             </a:lvl1pPr>
-            <a:lvl2pPr marL="342900" indent="0">
-              <a:buNone/>
-              <a:defRPr sz="1500" b="1"/>
+            <a:lvl2pPr marL="609585" indent="0">
+              <a:buNone/>
+              <a:defRPr sz="2667" b="1"/>
             </a:lvl2pPr>
-            <a:lvl3pPr marL="685800" indent="0">
-              <a:buNone/>
-              <a:defRPr sz="1350" b="1"/>
+            <a:lvl3pPr marL="1219170" indent="0">
+              <a:buNone/>
+              <a:defRPr sz="2400" b="1"/>
             </a:lvl3pPr>
-            <a:lvl4pPr marL="1028700" indent="0">
-              <a:buNone/>
-              <a:defRPr sz="1200" b="1"/>
+            <a:lvl4pPr marL="1828754" indent="0">
+              <a:buNone/>
+              <a:defRPr sz="2133" b="1"/>
             </a:lvl4pPr>
-            <a:lvl5pPr marL="1371600" indent="0">
-              <a:buNone/>
-              <a:defRPr sz="1200" b="1"/>
+            <a:lvl5pPr marL="2438339" indent="0">
+              <a:buNone/>
+              <a:defRPr sz="2133" b="1"/>
             </a:lvl5pPr>
-            <a:lvl6pPr marL="1714500" indent="0">
-              <a:buNone/>
-              <a:defRPr sz="1200" b="1"/>
+            <a:lvl6pPr marL="3047924" indent="0">
+              <a:buNone/>
+              <a:defRPr sz="2133" b="1"/>
             </a:lvl6pPr>
-            <a:lvl7pPr marL="2057400" indent="0">
-              <a:buNone/>
-              <a:defRPr sz="1200" b="1"/>
+            <a:lvl7pPr marL="3657509" indent="0">
+              <a:buNone/>
+              <a:defRPr sz="2133" b="1"/>
             </a:lvl7pPr>
-            <a:lvl8pPr marL="2400300" indent="0">
-              <a:buNone/>
-              <a:defRPr sz="1200" b="1"/>
+            <a:lvl8pPr marL="4267093" indent="0">
+              <a:buNone/>
+              <a:defRPr sz="2133" b="1"/>
             </a:lvl8pPr>
-            <a:lvl9pPr marL="2743200" indent="0">
-              <a:buNone/>
-              <a:defRPr sz="1200" b="1"/>
+            <a:lvl9pPr marL="4876678" indent="0">
+              <a:buNone/>
+              <a:defRPr sz="2133" b="1"/>
             </a:lvl9pPr>
           </a:lstStyle>
           <a:p>
@@ -1433,8 +1433,8 @@
         </p:nvSpPr>
         <p:spPr>
           <a:xfrm>
-            <a:off x="472381" y="4453467"/>
-            <a:ext cx="2901255" cy="6550379"/>
+            <a:off x="839789" y="4454047"/>
+            <a:ext cx="5157787" cy="6551232"/>
           </a:xfrm>
         </p:spPr>
         <p:txBody>
@@ -1490,8 +1490,8 @@
         </p:nvSpPr>
         <p:spPr>
           <a:xfrm>
-            <a:off x="3471863" y="2988734"/>
-            <a:ext cx="2915543" cy="1464732"/>
+            <a:off x="6172201" y="2989124"/>
+            <a:ext cx="5183188" cy="1464923"/>
           </a:xfrm>
         </p:spPr>
         <p:txBody>
@@ -1499,39 +1499,39 @@
           <a:lstStyle>
             <a:lvl1pPr marL="0" indent="0">
               <a:buNone/>
-              <a:defRPr sz="1800" b="1"/>
+              <a:defRPr sz="3200" b="1"/>
             </a:lvl1pPr>
-            <a:lvl2pPr marL="342900" indent="0">
-              <a:buNone/>
-              <a:defRPr sz="1500" b="1"/>
+            <a:lvl2pPr marL="609585" indent="0">
+              <a:buNone/>
+              <a:defRPr sz="2667" b="1"/>
             </a:lvl2pPr>
-            <a:lvl3pPr marL="685800" indent="0">
-              <a:buNone/>
-              <a:defRPr sz="1350" b="1"/>
+            <a:lvl3pPr marL="1219170" indent="0">
+              <a:buNone/>
+              <a:defRPr sz="2400" b="1"/>
             </a:lvl3pPr>
-            <a:lvl4pPr marL="1028700" indent="0">
-              <a:buNone/>
-              <a:defRPr sz="1200" b="1"/>
+            <a:lvl4pPr marL="1828754" indent="0">
+              <a:buNone/>
+              <a:defRPr sz="2133" b="1"/>
             </a:lvl4pPr>
-            <a:lvl5pPr marL="1371600" indent="0">
-              <a:buNone/>
-              <a:defRPr sz="1200" b="1"/>
+            <a:lvl5pPr marL="2438339" indent="0">
+              <a:buNone/>
+              <a:defRPr sz="2133" b="1"/>
             </a:lvl5pPr>
-            <a:lvl6pPr marL="1714500" indent="0">
-              <a:buNone/>
-              <a:defRPr sz="1200" b="1"/>
+            <a:lvl6pPr marL="3047924" indent="0">
+              <a:buNone/>
+              <a:defRPr sz="2133" b="1"/>
             </a:lvl6pPr>
-            <a:lvl7pPr marL="2057400" indent="0">
-              <a:buNone/>
-              <a:defRPr sz="1200" b="1"/>
+            <a:lvl7pPr marL="3657509" indent="0">
+              <a:buNone/>
+              <a:defRPr sz="2133" b="1"/>
             </a:lvl7pPr>
-            <a:lvl8pPr marL="2400300" indent="0">
-              <a:buNone/>
-              <a:defRPr sz="1200" b="1"/>
+            <a:lvl8pPr marL="4267093" indent="0">
+              <a:buNone/>
+              <a:defRPr sz="2133" b="1"/>
             </a:lvl8pPr>
-            <a:lvl9pPr marL="2743200" indent="0">
-              <a:buNone/>
-              <a:defRPr sz="1200" b="1"/>
+            <a:lvl9pPr marL="4876678" indent="0">
+              <a:buNone/>
+              <a:defRPr sz="2133" b="1"/>
             </a:lvl9pPr>
           </a:lstStyle>
           <a:p>
@@ -1555,8 +1555,8 @@
         </p:nvSpPr>
         <p:spPr>
           <a:xfrm>
-            <a:off x="3471863" y="4453467"/>
-            <a:ext cx="2915543" cy="6550379"/>
+            <a:off x="6172201" y="4454047"/>
+            <a:ext cx="5183188" cy="6551232"/>
           </a:xfrm>
         </p:spPr>
         <p:txBody>
@@ -1617,7 +1617,7 @@
           <a:p>
             <a:fld id="{233421D4-8BC5-964A-874D-0AA85E78EE4C}" type="datetimeFigureOut">
               <a:rPr lang="en-GB" smtClean="0"/>
-              <a:t>13/04/2022</a:t>
+              <a:t>15/04/2022</a:t>
             </a:fld>
             <a:endParaRPr lang="en-GB"/>
           </a:p>
@@ -1668,7 +1668,7 @@
     </p:spTree>
     <p:extLst>
       <p:ext uri="{BB962C8B-B14F-4D97-AF65-F5344CB8AC3E}">
-        <p14:creationId xmlns:p14="http://schemas.microsoft.com/office/powerpoint/2010/main" val="4211235250"/>
+        <p14:creationId xmlns:p14="http://schemas.microsoft.com/office/powerpoint/2010/main" val="2338770493"/>
       </p:ext>
     </p:extLst>
   </p:cSld>
@@ -1735,7 +1735,7 @@
           <a:p>
             <a:fld id="{233421D4-8BC5-964A-874D-0AA85E78EE4C}" type="datetimeFigureOut">
               <a:rPr lang="en-GB" smtClean="0"/>
-              <a:t>13/04/2022</a:t>
+              <a:t>15/04/2022</a:t>
             </a:fld>
             <a:endParaRPr lang="en-GB"/>
           </a:p>
@@ -1786,7 +1786,7 @@
     </p:spTree>
     <p:extLst>
       <p:ext uri="{BB962C8B-B14F-4D97-AF65-F5344CB8AC3E}">
-        <p14:creationId xmlns:p14="http://schemas.microsoft.com/office/powerpoint/2010/main" val="727964888"/>
+        <p14:creationId xmlns:p14="http://schemas.microsoft.com/office/powerpoint/2010/main" val="1343325129"/>
       </p:ext>
     </p:extLst>
   </p:cSld>
@@ -1830,7 +1830,7 @@
           <a:p>
             <a:fld id="{233421D4-8BC5-964A-874D-0AA85E78EE4C}" type="datetimeFigureOut">
               <a:rPr lang="en-GB" smtClean="0"/>
-              <a:t>13/04/2022</a:t>
+              <a:t>15/04/2022</a:t>
             </a:fld>
             <a:endParaRPr lang="en-GB"/>
           </a:p>
@@ -1881,7 +1881,7 @@
     </p:spTree>
     <p:extLst>
       <p:ext uri="{BB962C8B-B14F-4D97-AF65-F5344CB8AC3E}">
-        <p14:creationId xmlns:p14="http://schemas.microsoft.com/office/powerpoint/2010/main" val="1430524279"/>
+        <p14:creationId xmlns:p14="http://schemas.microsoft.com/office/powerpoint/2010/main" val="542113426"/>
       </p:ext>
     </p:extLst>
   </p:cSld>
@@ -1920,15 +1920,15 @@
         </p:nvSpPr>
         <p:spPr>
           <a:xfrm>
-            <a:off x="472381" y="812800"/>
-            <a:ext cx="2211884" cy="2844800"/>
+            <a:off x="839788" y="812906"/>
+            <a:ext cx="3932237" cy="2845171"/>
           </a:xfrm>
         </p:spPr>
         <p:txBody>
           <a:bodyPr anchor="b"/>
           <a:lstStyle>
             <a:lvl1pPr>
-              <a:defRPr sz="2400"/>
+              <a:defRPr sz="4267"/>
             </a:lvl1pPr>
           </a:lstStyle>
           <a:p>
@@ -1952,39 +1952,39 @@
         </p:nvSpPr>
         <p:spPr>
           <a:xfrm>
-            <a:off x="2915543" y="1755425"/>
-            <a:ext cx="3471863" cy="8664222"/>
+            <a:off x="5183188" y="1755653"/>
+            <a:ext cx="6172200" cy="8665351"/>
           </a:xfrm>
         </p:spPr>
         <p:txBody>
           <a:bodyPr/>
           <a:lstStyle>
             <a:lvl1pPr>
-              <a:defRPr sz="2400"/>
+              <a:defRPr sz="4267"/>
             </a:lvl1pPr>
             <a:lvl2pPr>
-              <a:defRPr sz="2100"/>
+              <a:defRPr sz="3733"/>
             </a:lvl2pPr>
             <a:lvl3pPr>
-              <a:defRPr sz="1800"/>
+              <a:defRPr sz="3200"/>
             </a:lvl3pPr>
             <a:lvl4pPr>
-              <a:defRPr sz="1500"/>
+              <a:defRPr sz="2667"/>
             </a:lvl4pPr>
             <a:lvl5pPr>
-              <a:defRPr sz="1500"/>
+              <a:defRPr sz="2667"/>
             </a:lvl5pPr>
             <a:lvl6pPr>
-              <a:defRPr sz="1500"/>
+              <a:defRPr sz="2667"/>
             </a:lvl6pPr>
             <a:lvl7pPr>
-              <a:defRPr sz="1500"/>
+              <a:defRPr sz="2667"/>
             </a:lvl7pPr>
             <a:lvl8pPr>
-              <a:defRPr sz="1500"/>
+              <a:defRPr sz="2667"/>
             </a:lvl8pPr>
             <a:lvl9pPr>
-              <a:defRPr sz="1500"/>
+              <a:defRPr sz="2667"/>
             </a:lvl9pPr>
           </a:lstStyle>
           <a:p>
@@ -2037,8 +2037,8 @@
         </p:nvSpPr>
         <p:spPr>
           <a:xfrm>
-            <a:off x="472381" y="3657600"/>
-            <a:ext cx="2211884" cy="6776156"/>
+            <a:off x="839788" y="3658076"/>
+            <a:ext cx="3932237" cy="6777039"/>
           </a:xfrm>
         </p:spPr>
         <p:txBody>
@@ -2046,39 +2046,39 @@
           <a:lstStyle>
             <a:lvl1pPr marL="0" indent="0">
               <a:buNone/>
-              <a:defRPr sz="1200"/>
+              <a:defRPr sz="2133"/>
             </a:lvl1pPr>
-            <a:lvl2pPr marL="342900" indent="0">
-              <a:buNone/>
-              <a:defRPr sz="1050"/>
+            <a:lvl2pPr marL="609585" indent="0">
+              <a:buNone/>
+              <a:defRPr sz="1867"/>
             </a:lvl2pPr>
-            <a:lvl3pPr marL="685800" indent="0">
-              <a:buNone/>
-              <a:defRPr sz="900"/>
+            <a:lvl3pPr marL="1219170" indent="0">
+              <a:buNone/>
+              <a:defRPr sz="1600"/>
             </a:lvl3pPr>
-            <a:lvl4pPr marL="1028700" indent="0">
-              <a:buNone/>
-              <a:defRPr sz="750"/>
+            <a:lvl4pPr marL="1828754" indent="0">
+              <a:buNone/>
+              <a:defRPr sz="1333"/>
             </a:lvl4pPr>
-            <a:lvl5pPr marL="1371600" indent="0">
-              <a:buNone/>
-              <a:defRPr sz="750"/>
+            <a:lvl5pPr marL="2438339" indent="0">
+              <a:buNone/>
+              <a:defRPr sz="1333"/>
             </a:lvl5pPr>
-            <a:lvl6pPr marL="1714500" indent="0">
-              <a:buNone/>
-              <a:defRPr sz="750"/>
+            <a:lvl6pPr marL="3047924" indent="0">
+              <a:buNone/>
+              <a:defRPr sz="1333"/>
             </a:lvl6pPr>
-            <a:lvl7pPr marL="2057400" indent="0">
-              <a:buNone/>
-              <a:defRPr sz="750"/>
+            <a:lvl7pPr marL="3657509" indent="0">
+              <a:buNone/>
+              <a:defRPr sz="1333"/>
             </a:lvl7pPr>
-            <a:lvl8pPr marL="2400300" indent="0">
-              <a:buNone/>
-              <a:defRPr sz="750"/>
+            <a:lvl8pPr marL="4267093" indent="0">
+              <a:buNone/>
+              <a:defRPr sz="1333"/>
             </a:lvl8pPr>
-            <a:lvl9pPr marL="2743200" indent="0">
-              <a:buNone/>
-              <a:defRPr sz="750"/>
+            <a:lvl9pPr marL="4876678" indent="0">
+              <a:buNone/>
+              <a:defRPr sz="1333"/>
             </a:lvl9pPr>
           </a:lstStyle>
           <a:p>
@@ -2107,7 +2107,7 @@
           <a:p>
             <a:fld id="{233421D4-8BC5-964A-874D-0AA85E78EE4C}" type="datetimeFigureOut">
               <a:rPr lang="en-GB" smtClean="0"/>
-              <a:t>13/04/2022</a:t>
+              <a:t>15/04/2022</a:t>
             </a:fld>
             <a:endParaRPr lang="en-GB"/>
           </a:p>
@@ -2158,7 +2158,7 @@
     </p:spTree>
     <p:extLst>
       <p:ext uri="{BB962C8B-B14F-4D97-AF65-F5344CB8AC3E}">
-        <p14:creationId xmlns:p14="http://schemas.microsoft.com/office/powerpoint/2010/main" val="2997284256"/>
+        <p14:creationId xmlns:p14="http://schemas.microsoft.com/office/powerpoint/2010/main" val="611076549"/>
       </p:ext>
     </p:extLst>
   </p:cSld>
@@ -2197,15 +2197,15 @@
         </p:nvSpPr>
         <p:spPr>
           <a:xfrm>
-            <a:off x="472381" y="812800"/>
-            <a:ext cx="2211884" cy="2844800"/>
+            <a:off x="839788" y="812906"/>
+            <a:ext cx="3932237" cy="2845171"/>
           </a:xfrm>
         </p:spPr>
         <p:txBody>
           <a:bodyPr anchor="b"/>
           <a:lstStyle>
             <a:lvl1pPr>
-              <a:defRPr sz="2400"/>
+              <a:defRPr sz="4267"/>
             </a:lvl1pPr>
           </a:lstStyle>
           <a:p>
@@ -2229,8 +2229,8 @@
         </p:nvSpPr>
         <p:spPr>
           <a:xfrm>
-            <a:off x="2915543" y="1755425"/>
-            <a:ext cx="3471863" cy="8664222"/>
+            <a:off x="5183188" y="1755653"/>
+            <a:ext cx="6172200" cy="8665351"/>
           </a:xfrm>
         </p:spPr>
         <p:txBody>
@@ -2238,39 +2238,39 @@
           <a:lstStyle>
             <a:lvl1pPr marL="0" indent="0">
               <a:buNone/>
-              <a:defRPr sz="2400"/>
+              <a:defRPr sz="4267"/>
             </a:lvl1pPr>
-            <a:lvl2pPr marL="342900" indent="0">
-              <a:buNone/>
-              <a:defRPr sz="2100"/>
+            <a:lvl2pPr marL="609585" indent="0">
+              <a:buNone/>
+              <a:defRPr sz="3733"/>
             </a:lvl2pPr>
-            <a:lvl3pPr marL="685800" indent="0">
-              <a:buNone/>
-              <a:defRPr sz="1800"/>
+            <a:lvl3pPr marL="1219170" indent="0">
+              <a:buNone/>
+              <a:defRPr sz="3200"/>
             </a:lvl3pPr>
-            <a:lvl4pPr marL="1028700" indent="0">
-              <a:buNone/>
-              <a:defRPr sz="1500"/>
+            <a:lvl4pPr marL="1828754" indent="0">
+              <a:buNone/>
+              <a:defRPr sz="2667"/>
             </a:lvl4pPr>
-            <a:lvl5pPr marL="1371600" indent="0">
-              <a:buNone/>
-              <a:defRPr sz="1500"/>
+            <a:lvl5pPr marL="2438339" indent="0">
+              <a:buNone/>
+              <a:defRPr sz="2667"/>
             </a:lvl5pPr>
-            <a:lvl6pPr marL="1714500" indent="0">
-              <a:buNone/>
-              <a:defRPr sz="1500"/>
+            <a:lvl6pPr marL="3047924" indent="0">
+              <a:buNone/>
+              <a:defRPr sz="2667"/>
             </a:lvl6pPr>
-            <a:lvl7pPr marL="2057400" indent="0">
-              <a:buNone/>
-              <a:defRPr sz="1500"/>
+            <a:lvl7pPr marL="3657509" indent="0">
+              <a:buNone/>
+              <a:defRPr sz="2667"/>
             </a:lvl7pPr>
-            <a:lvl8pPr marL="2400300" indent="0">
-              <a:buNone/>
-              <a:defRPr sz="1500"/>
+            <a:lvl8pPr marL="4267093" indent="0">
+              <a:buNone/>
+              <a:defRPr sz="2667"/>
             </a:lvl8pPr>
-            <a:lvl9pPr marL="2743200" indent="0">
-              <a:buNone/>
-              <a:defRPr sz="1500"/>
+            <a:lvl9pPr marL="4876678" indent="0">
+              <a:buNone/>
+              <a:defRPr sz="2667"/>
             </a:lvl9pPr>
           </a:lstStyle>
           <a:p>
@@ -2294,8 +2294,8 @@
         </p:nvSpPr>
         <p:spPr>
           <a:xfrm>
-            <a:off x="472381" y="3657600"/>
-            <a:ext cx="2211884" cy="6776156"/>
+            <a:off x="839788" y="3658076"/>
+            <a:ext cx="3932237" cy="6777039"/>
           </a:xfrm>
         </p:spPr>
         <p:txBody>
@@ -2303,39 +2303,39 @@
           <a:lstStyle>
             <a:lvl1pPr marL="0" indent="0">
               <a:buNone/>
-              <a:defRPr sz="1200"/>
+              <a:defRPr sz="2133"/>
             </a:lvl1pPr>
-            <a:lvl2pPr marL="342900" indent="0">
-              <a:buNone/>
-              <a:defRPr sz="1050"/>
+            <a:lvl2pPr marL="609585" indent="0">
+              <a:buNone/>
+              <a:defRPr sz="1867"/>
             </a:lvl2pPr>
-            <a:lvl3pPr marL="685800" indent="0">
-              <a:buNone/>
-              <a:defRPr sz="900"/>
+            <a:lvl3pPr marL="1219170" indent="0">
+              <a:buNone/>
+              <a:defRPr sz="1600"/>
             </a:lvl3pPr>
-            <a:lvl4pPr marL="1028700" indent="0">
-              <a:buNone/>
-              <a:defRPr sz="750"/>
+            <a:lvl4pPr marL="1828754" indent="0">
+              <a:buNone/>
+              <a:defRPr sz="1333"/>
             </a:lvl4pPr>
-            <a:lvl5pPr marL="1371600" indent="0">
-              <a:buNone/>
-              <a:defRPr sz="750"/>
+            <a:lvl5pPr marL="2438339" indent="0">
+              <a:buNone/>
+              <a:defRPr sz="1333"/>
             </a:lvl5pPr>
-            <a:lvl6pPr marL="1714500" indent="0">
-              <a:buNone/>
-              <a:defRPr sz="750"/>
+            <a:lvl6pPr marL="3047924" indent="0">
+              <a:buNone/>
+              <a:defRPr sz="1333"/>
             </a:lvl6pPr>
-            <a:lvl7pPr marL="2057400" indent="0">
-              <a:buNone/>
-              <a:defRPr sz="750"/>
+            <a:lvl7pPr marL="3657509" indent="0">
+              <a:buNone/>
+              <a:defRPr sz="1333"/>
             </a:lvl7pPr>
-            <a:lvl8pPr marL="2400300" indent="0">
-              <a:buNone/>
-              <a:defRPr sz="750"/>
+            <a:lvl8pPr marL="4267093" indent="0">
+              <a:buNone/>
+              <a:defRPr sz="1333"/>
             </a:lvl8pPr>
-            <a:lvl9pPr marL="2743200" indent="0">
-              <a:buNone/>
-              <a:defRPr sz="750"/>
+            <a:lvl9pPr marL="4876678" indent="0">
+              <a:buNone/>
+              <a:defRPr sz="1333"/>
             </a:lvl9pPr>
           </a:lstStyle>
           <a:p>
@@ -2364,7 +2364,7 @@
           <a:p>
             <a:fld id="{233421D4-8BC5-964A-874D-0AA85E78EE4C}" type="datetimeFigureOut">
               <a:rPr lang="en-GB" smtClean="0"/>
-              <a:t>13/04/2022</a:t>
+              <a:t>15/04/2022</a:t>
             </a:fld>
             <a:endParaRPr lang="en-GB"/>
           </a:p>
@@ -2415,7 +2415,7 @@
     </p:spTree>
     <p:extLst>
       <p:ext uri="{BB962C8B-B14F-4D97-AF65-F5344CB8AC3E}">
-        <p14:creationId xmlns:p14="http://schemas.microsoft.com/office/powerpoint/2010/main" val="3189905823"/>
+        <p14:creationId xmlns:p14="http://schemas.microsoft.com/office/powerpoint/2010/main" val="4220474485"/>
       </p:ext>
     </p:extLst>
   </p:cSld>
@@ -2459,8 +2459,8 @@
         </p:nvSpPr>
         <p:spPr>
           <a:xfrm>
-            <a:off x="471488" y="649114"/>
-            <a:ext cx="5915025" cy="2356556"/>
+            <a:off x="838200" y="649199"/>
+            <a:ext cx="10515600" cy="2356863"/>
           </a:xfrm>
           <a:prstGeom prst="rect">
             <a:avLst/>
@@ -2492,8 +2492,8 @@
         </p:nvSpPr>
         <p:spPr>
           <a:xfrm>
-            <a:off x="471488" y="3245556"/>
-            <a:ext cx="5915025" cy="7735712"/>
+            <a:off x="838200" y="3245978"/>
+            <a:ext cx="10515600" cy="7736720"/>
           </a:xfrm>
           <a:prstGeom prst="rect">
             <a:avLst/>
@@ -2554,8 +2554,8 @@
         </p:nvSpPr>
         <p:spPr>
           <a:xfrm>
-            <a:off x="471488" y="11300181"/>
-            <a:ext cx="1543050" cy="649111"/>
+            <a:off x="838200" y="11301652"/>
+            <a:ext cx="2743200" cy="649196"/>
           </a:xfrm>
           <a:prstGeom prst="rect">
             <a:avLst/>
@@ -2565,7 +2565,7 @@
           <a:bodyPr vert="horz" lIns="91440" tIns="45720" rIns="91440" bIns="45720" rtlCol="0" anchor="ctr"/>
           <a:lstStyle>
             <a:lvl1pPr algn="l">
-              <a:defRPr sz="900">
+              <a:defRPr sz="1600">
                 <a:solidFill>
                   <a:schemeClr val="tx1">
                     <a:tint val="75000"/>
@@ -2577,7 +2577,7 @@
           <a:p>
             <a:fld id="{233421D4-8BC5-964A-874D-0AA85E78EE4C}" type="datetimeFigureOut">
               <a:rPr lang="en-GB" smtClean="0"/>
-              <a:t>13/04/2022</a:t>
+              <a:t>15/04/2022</a:t>
             </a:fld>
             <a:endParaRPr lang="en-GB"/>
           </a:p>
@@ -2595,8 +2595,8 @@
         </p:nvSpPr>
         <p:spPr>
           <a:xfrm>
-            <a:off x="2271713" y="11300181"/>
-            <a:ext cx="2314575" cy="649111"/>
+            <a:off x="4038600" y="11301652"/>
+            <a:ext cx="4114800" cy="649196"/>
           </a:xfrm>
           <a:prstGeom prst="rect">
             <a:avLst/>
@@ -2606,7 +2606,7 @@
           <a:bodyPr vert="horz" lIns="91440" tIns="45720" rIns="91440" bIns="45720" rtlCol="0" anchor="ctr"/>
           <a:lstStyle>
             <a:lvl1pPr algn="ctr">
-              <a:defRPr sz="900">
+              <a:defRPr sz="1600">
                 <a:solidFill>
                   <a:schemeClr val="tx1">
                     <a:tint val="75000"/>
@@ -2632,8 +2632,8 @@
         </p:nvSpPr>
         <p:spPr>
           <a:xfrm>
-            <a:off x="4843463" y="11300181"/>
-            <a:ext cx="1543050" cy="649111"/>
+            <a:off x="8610600" y="11301652"/>
+            <a:ext cx="2743200" cy="649196"/>
           </a:xfrm>
           <a:prstGeom prst="rect">
             <a:avLst/>
@@ -2643,7 +2643,7 @@
           <a:bodyPr vert="horz" lIns="91440" tIns="45720" rIns="91440" bIns="45720" rtlCol="0" anchor="ctr"/>
           <a:lstStyle>
             <a:lvl1pPr algn="r">
-              <a:defRPr sz="900">
+              <a:defRPr sz="1600">
                 <a:solidFill>
                   <a:schemeClr val="tx1">
                     <a:tint val="75000"/>
@@ -2664,27 +2664,27 @@
     </p:spTree>
     <p:extLst>
       <p:ext uri="{BB962C8B-B14F-4D97-AF65-F5344CB8AC3E}">
-        <p14:creationId xmlns:p14="http://schemas.microsoft.com/office/powerpoint/2010/main" val="1198495536"/>
+        <p14:creationId xmlns:p14="http://schemas.microsoft.com/office/powerpoint/2010/main" val="3271441552"/>
       </p:ext>
     </p:extLst>
   </p:cSld>
   <p:clrMap bg1="lt1" tx1="dk1" bg2="lt2" tx2="dk2" accent1="accent1" accent2="accent2" accent3="accent3" accent4="accent4" accent5="accent5" accent6="accent6" hlink="hlink" folHlink="folHlink"/>
   <p:sldLayoutIdLst>
-    <p:sldLayoutId id="2147483661" r:id="rId1"/>
-    <p:sldLayoutId id="2147483662" r:id="rId2"/>
-    <p:sldLayoutId id="2147483663" r:id="rId3"/>
-    <p:sldLayoutId id="2147483664" r:id="rId4"/>
-    <p:sldLayoutId id="2147483665" r:id="rId5"/>
-    <p:sldLayoutId id="2147483666" r:id="rId6"/>
-    <p:sldLayoutId id="2147483667" r:id="rId7"/>
-    <p:sldLayoutId id="2147483668" r:id="rId8"/>
-    <p:sldLayoutId id="2147483669" r:id="rId9"/>
-    <p:sldLayoutId id="2147483670" r:id="rId10"/>
-    <p:sldLayoutId id="2147483671" r:id="rId11"/>
+    <p:sldLayoutId id="2147483685" r:id="rId1"/>
+    <p:sldLayoutId id="2147483686" r:id="rId2"/>
+    <p:sldLayoutId id="2147483687" r:id="rId3"/>
+    <p:sldLayoutId id="2147483688" r:id="rId4"/>
+    <p:sldLayoutId id="2147483689" r:id="rId5"/>
+    <p:sldLayoutId id="2147483690" r:id="rId6"/>
+    <p:sldLayoutId id="2147483691" r:id="rId7"/>
+    <p:sldLayoutId id="2147483692" r:id="rId8"/>
+    <p:sldLayoutId id="2147483693" r:id="rId9"/>
+    <p:sldLayoutId id="2147483694" r:id="rId10"/>
+    <p:sldLayoutId id="2147483695" r:id="rId11"/>
   </p:sldLayoutIdLst>
   <p:txStyles>
     <p:titleStyle>
-      <a:lvl1pPr algn="l" defTabSz="685800" rtl="0" eaLnBrk="1" latinLnBrk="0" hangingPunct="1">
+      <a:lvl1pPr algn="l" defTabSz="1219170" rtl="0" eaLnBrk="1" latinLnBrk="0" hangingPunct="1">
         <a:lnSpc>
           <a:spcPct val="90000"/>
         </a:lnSpc>
@@ -2692,7 +2692,7 @@
           <a:spcPct val="0"/>
         </a:spcBef>
         <a:buNone/>
-        <a:defRPr sz="3300" kern="1200">
+        <a:defRPr sz="5867" kern="1200">
           <a:solidFill>
             <a:schemeClr val="tx1"/>
           </a:solidFill>
@@ -2703,16 +2703,16 @@
       </a:lvl1pPr>
     </p:titleStyle>
     <p:bodyStyle>
-      <a:lvl1pPr marL="171450" indent="-171450" algn="l" defTabSz="685800" rtl="0" eaLnBrk="1" latinLnBrk="0" hangingPunct="1">
+      <a:lvl1pPr marL="304792" indent="-304792" algn="l" defTabSz="1219170" rtl="0" eaLnBrk="1" latinLnBrk="0" hangingPunct="1">
         <a:lnSpc>
           <a:spcPct val="90000"/>
         </a:lnSpc>
         <a:spcBef>
-          <a:spcPts val="750"/>
+          <a:spcPts val="1333"/>
         </a:spcBef>
         <a:buFont typeface="Arial" panose="020B0604020202020204" pitchFamily="34" charset="0"/>
         <a:buChar char="•"/>
-        <a:defRPr sz="2100" kern="1200">
+        <a:defRPr sz="3733" kern="1200">
           <a:solidFill>
             <a:schemeClr val="tx1"/>
           </a:solidFill>
@@ -2721,16 +2721,16 @@
           <a:cs typeface="+mn-cs"/>
         </a:defRPr>
       </a:lvl1pPr>
-      <a:lvl2pPr marL="514350" indent="-171450" algn="l" defTabSz="685800" rtl="0" eaLnBrk="1" latinLnBrk="0" hangingPunct="1">
+      <a:lvl2pPr marL="914377" indent="-304792" algn="l" defTabSz="1219170" rtl="0" eaLnBrk="1" latinLnBrk="0" hangingPunct="1">
         <a:lnSpc>
           <a:spcPct val="90000"/>
         </a:lnSpc>
         <a:spcBef>
-          <a:spcPts val="375"/>
+          <a:spcPts val="667"/>
         </a:spcBef>
         <a:buFont typeface="Arial" panose="020B0604020202020204" pitchFamily="34" charset="0"/>
         <a:buChar char="•"/>
-        <a:defRPr sz="1800" kern="1200">
+        <a:defRPr sz="3200" kern="1200">
           <a:solidFill>
             <a:schemeClr val="tx1"/>
           </a:solidFill>
@@ -2739,16 +2739,16 @@
           <a:cs typeface="+mn-cs"/>
         </a:defRPr>
       </a:lvl2pPr>
-      <a:lvl3pPr marL="857250" indent="-171450" algn="l" defTabSz="685800" rtl="0" eaLnBrk="1" latinLnBrk="0" hangingPunct="1">
+      <a:lvl3pPr marL="1523962" indent="-304792" algn="l" defTabSz="1219170" rtl="0" eaLnBrk="1" latinLnBrk="0" hangingPunct="1">
         <a:lnSpc>
           <a:spcPct val="90000"/>
         </a:lnSpc>
         <a:spcBef>
-          <a:spcPts val="375"/>
+          <a:spcPts val="667"/>
         </a:spcBef>
         <a:buFont typeface="Arial" panose="020B0604020202020204" pitchFamily="34" charset="0"/>
         <a:buChar char="•"/>
-        <a:defRPr sz="1500" kern="1200">
+        <a:defRPr sz="2667" kern="1200">
           <a:solidFill>
             <a:schemeClr val="tx1"/>
           </a:solidFill>
@@ -2757,16 +2757,16 @@
           <a:cs typeface="+mn-cs"/>
         </a:defRPr>
       </a:lvl3pPr>
-      <a:lvl4pPr marL="1200150" indent="-171450" algn="l" defTabSz="685800" rtl="0" eaLnBrk="1" latinLnBrk="0" hangingPunct="1">
+      <a:lvl4pPr marL="2133547" indent="-304792" algn="l" defTabSz="1219170" rtl="0" eaLnBrk="1" latinLnBrk="0" hangingPunct="1">
         <a:lnSpc>
           <a:spcPct val="90000"/>
         </a:lnSpc>
         <a:spcBef>
-          <a:spcPts val="375"/>
+          <a:spcPts val="667"/>
         </a:spcBef>
         <a:buFont typeface="Arial" panose="020B0604020202020204" pitchFamily="34" charset="0"/>
         <a:buChar char="•"/>
-        <a:defRPr sz="1350" kern="1200">
+        <a:defRPr sz="2400" kern="1200">
           <a:solidFill>
             <a:schemeClr val="tx1"/>
           </a:solidFill>
@@ -2775,16 +2775,16 @@
           <a:cs typeface="+mn-cs"/>
         </a:defRPr>
       </a:lvl4pPr>
-      <a:lvl5pPr marL="1543050" indent="-171450" algn="l" defTabSz="685800" rtl="0" eaLnBrk="1" latinLnBrk="0" hangingPunct="1">
+      <a:lvl5pPr marL="2743131" indent="-304792" algn="l" defTabSz="1219170" rtl="0" eaLnBrk="1" latinLnBrk="0" hangingPunct="1">
         <a:lnSpc>
           <a:spcPct val="90000"/>
         </a:lnSpc>
         <a:spcBef>
-          <a:spcPts val="375"/>
+          <a:spcPts val="667"/>
         </a:spcBef>
         <a:buFont typeface="Arial" panose="020B0604020202020204" pitchFamily="34" charset="0"/>
         <a:buChar char="•"/>
-        <a:defRPr sz="1350" kern="1200">
+        <a:defRPr sz="2400" kern="1200">
           <a:solidFill>
             <a:schemeClr val="tx1"/>
           </a:solidFill>
@@ -2793,16 +2793,16 @@
           <a:cs typeface="+mn-cs"/>
         </a:defRPr>
       </a:lvl5pPr>
-      <a:lvl6pPr marL="1885950" indent="-171450" algn="l" defTabSz="685800" rtl="0" eaLnBrk="1" latinLnBrk="0" hangingPunct="1">
+      <a:lvl6pPr marL="3352716" indent="-304792" algn="l" defTabSz="1219170" rtl="0" eaLnBrk="1" latinLnBrk="0" hangingPunct="1">
         <a:lnSpc>
           <a:spcPct val="90000"/>
         </a:lnSpc>
         <a:spcBef>
-          <a:spcPts val="375"/>
+          <a:spcPts val="667"/>
         </a:spcBef>
         <a:buFont typeface="Arial" panose="020B0604020202020204" pitchFamily="34" charset="0"/>
         <a:buChar char="•"/>
-        <a:defRPr sz="1350" kern="1200">
+        <a:defRPr sz="2400" kern="1200">
           <a:solidFill>
             <a:schemeClr val="tx1"/>
           </a:solidFill>
@@ -2811,16 +2811,16 @@
           <a:cs typeface="+mn-cs"/>
         </a:defRPr>
       </a:lvl6pPr>
-      <a:lvl7pPr marL="2228850" indent="-171450" algn="l" defTabSz="685800" rtl="0" eaLnBrk="1" latinLnBrk="0" hangingPunct="1">
+      <a:lvl7pPr marL="3962301" indent="-304792" algn="l" defTabSz="1219170" rtl="0" eaLnBrk="1" latinLnBrk="0" hangingPunct="1">
         <a:lnSpc>
           <a:spcPct val="90000"/>
         </a:lnSpc>
         <a:spcBef>
-          <a:spcPts val="375"/>
+          <a:spcPts val="667"/>
         </a:spcBef>
         <a:buFont typeface="Arial" panose="020B0604020202020204" pitchFamily="34" charset="0"/>
         <a:buChar char="•"/>
-        <a:defRPr sz="1350" kern="1200">
+        <a:defRPr sz="2400" kern="1200">
           <a:solidFill>
             <a:schemeClr val="tx1"/>
           </a:solidFill>
@@ -2829,16 +2829,16 @@
           <a:cs typeface="+mn-cs"/>
         </a:defRPr>
       </a:lvl7pPr>
-      <a:lvl8pPr marL="2571750" indent="-171450" algn="l" defTabSz="685800" rtl="0" eaLnBrk="1" latinLnBrk="0" hangingPunct="1">
+      <a:lvl8pPr marL="4571886" indent="-304792" algn="l" defTabSz="1219170" rtl="0" eaLnBrk="1" latinLnBrk="0" hangingPunct="1">
         <a:lnSpc>
           <a:spcPct val="90000"/>
         </a:lnSpc>
         <a:spcBef>
-          <a:spcPts val="375"/>
+          <a:spcPts val="667"/>
         </a:spcBef>
         <a:buFont typeface="Arial" panose="020B0604020202020204" pitchFamily="34" charset="0"/>
         <a:buChar char="•"/>
-        <a:defRPr sz="1350" kern="1200">
+        <a:defRPr sz="2400" kern="1200">
           <a:solidFill>
             <a:schemeClr val="tx1"/>
           </a:solidFill>
@@ -2847,16 +2847,16 @@
           <a:cs typeface="+mn-cs"/>
         </a:defRPr>
       </a:lvl8pPr>
-      <a:lvl9pPr marL="2914650" indent="-171450" algn="l" defTabSz="685800" rtl="0" eaLnBrk="1" latinLnBrk="0" hangingPunct="1">
+      <a:lvl9pPr marL="5181470" indent="-304792" algn="l" defTabSz="1219170" rtl="0" eaLnBrk="1" latinLnBrk="0" hangingPunct="1">
         <a:lnSpc>
           <a:spcPct val="90000"/>
         </a:lnSpc>
         <a:spcBef>
-          <a:spcPts val="375"/>
+          <a:spcPts val="667"/>
         </a:spcBef>
         <a:buFont typeface="Arial" panose="020B0604020202020204" pitchFamily="34" charset="0"/>
         <a:buChar char="•"/>
-        <a:defRPr sz="1350" kern="1200">
+        <a:defRPr sz="2400" kern="1200">
           <a:solidFill>
             <a:schemeClr val="tx1"/>
           </a:solidFill>
@@ -2870,8 +2870,8 @@
       <a:defPPr>
         <a:defRPr lang="en-US"/>
       </a:defPPr>
-      <a:lvl1pPr marL="0" algn="l" defTabSz="685800" rtl="0" eaLnBrk="1" latinLnBrk="0" hangingPunct="1">
-        <a:defRPr sz="1350" kern="1200">
+      <a:lvl1pPr marL="0" algn="l" defTabSz="1219170" rtl="0" eaLnBrk="1" latinLnBrk="0" hangingPunct="1">
+        <a:defRPr sz="2400" kern="1200">
           <a:solidFill>
             <a:schemeClr val="tx1"/>
           </a:solidFill>
@@ -2880,8 +2880,8 @@
           <a:cs typeface="+mn-cs"/>
         </a:defRPr>
       </a:lvl1pPr>
-      <a:lvl2pPr marL="342900" algn="l" defTabSz="685800" rtl="0" eaLnBrk="1" latinLnBrk="0" hangingPunct="1">
-        <a:defRPr sz="1350" kern="1200">
+      <a:lvl2pPr marL="609585" algn="l" defTabSz="1219170" rtl="0" eaLnBrk="1" latinLnBrk="0" hangingPunct="1">
+        <a:defRPr sz="2400" kern="1200">
           <a:solidFill>
             <a:schemeClr val="tx1"/>
           </a:solidFill>
@@ -2890,8 +2890,8 @@
           <a:cs typeface="+mn-cs"/>
         </a:defRPr>
       </a:lvl2pPr>
-      <a:lvl3pPr marL="685800" algn="l" defTabSz="685800" rtl="0" eaLnBrk="1" latinLnBrk="0" hangingPunct="1">
-        <a:defRPr sz="1350" kern="1200">
+      <a:lvl3pPr marL="1219170" algn="l" defTabSz="1219170" rtl="0" eaLnBrk="1" latinLnBrk="0" hangingPunct="1">
+        <a:defRPr sz="2400" kern="1200">
           <a:solidFill>
             <a:schemeClr val="tx1"/>
           </a:solidFill>
@@ -2900,8 +2900,8 @@
           <a:cs typeface="+mn-cs"/>
         </a:defRPr>
       </a:lvl3pPr>
-      <a:lvl4pPr marL="1028700" algn="l" defTabSz="685800" rtl="0" eaLnBrk="1" latinLnBrk="0" hangingPunct="1">
-        <a:defRPr sz="1350" kern="1200">
+      <a:lvl4pPr marL="1828754" algn="l" defTabSz="1219170" rtl="0" eaLnBrk="1" latinLnBrk="0" hangingPunct="1">
+        <a:defRPr sz="2400" kern="1200">
           <a:solidFill>
             <a:schemeClr val="tx1"/>
           </a:solidFill>
@@ -2910,8 +2910,8 @@
           <a:cs typeface="+mn-cs"/>
         </a:defRPr>
       </a:lvl4pPr>
-      <a:lvl5pPr marL="1371600" algn="l" defTabSz="685800" rtl="0" eaLnBrk="1" latinLnBrk="0" hangingPunct="1">
-        <a:defRPr sz="1350" kern="1200">
+      <a:lvl5pPr marL="2438339" algn="l" defTabSz="1219170" rtl="0" eaLnBrk="1" latinLnBrk="0" hangingPunct="1">
+        <a:defRPr sz="2400" kern="1200">
           <a:solidFill>
             <a:schemeClr val="tx1"/>
           </a:solidFill>
@@ -2920,8 +2920,8 @@
           <a:cs typeface="+mn-cs"/>
         </a:defRPr>
       </a:lvl5pPr>
-      <a:lvl6pPr marL="1714500" algn="l" defTabSz="685800" rtl="0" eaLnBrk="1" latinLnBrk="0" hangingPunct="1">
-        <a:defRPr sz="1350" kern="1200">
+      <a:lvl6pPr marL="3047924" algn="l" defTabSz="1219170" rtl="0" eaLnBrk="1" latinLnBrk="0" hangingPunct="1">
+        <a:defRPr sz="2400" kern="1200">
           <a:solidFill>
             <a:schemeClr val="tx1"/>
           </a:solidFill>
@@ -2930,8 +2930,8 @@
           <a:cs typeface="+mn-cs"/>
         </a:defRPr>
       </a:lvl6pPr>
-      <a:lvl7pPr marL="2057400" algn="l" defTabSz="685800" rtl="0" eaLnBrk="1" latinLnBrk="0" hangingPunct="1">
-        <a:defRPr sz="1350" kern="1200">
+      <a:lvl7pPr marL="3657509" algn="l" defTabSz="1219170" rtl="0" eaLnBrk="1" latinLnBrk="0" hangingPunct="1">
+        <a:defRPr sz="2400" kern="1200">
           <a:solidFill>
             <a:schemeClr val="tx1"/>
           </a:solidFill>
@@ -2940,8 +2940,8 @@
           <a:cs typeface="+mn-cs"/>
         </a:defRPr>
       </a:lvl7pPr>
-      <a:lvl8pPr marL="2400300" algn="l" defTabSz="685800" rtl="0" eaLnBrk="1" latinLnBrk="0" hangingPunct="1">
-        <a:defRPr sz="1350" kern="1200">
+      <a:lvl8pPr marL="4267093" algn="l" defTabSz="1219170" rtl="0" eaLnBrk="1" latinLnBrk="0" hangingPunct="1">
+        <a:defRPr sz="2400" kern="1200">
           <a:solidFill>
             <a:schemeClr val="tx1"/>
           </a:solidFill>
@@ -2950,8 +2950,8 @@
           <a:cs typeface="+mn-cs"/>
         </a:defRPr>
       </a:lvl8pPr>
-      <a:lvl9pPr marL="2743200" algn="l" defTabSz="685800" rtl="0" eaLnBrk="1" latinLnBrk="0" hangingPunct="1">
-        <a:defRPr sz="1350" kern="1200">
+      <a:lvl9pPr marL="4876678" algn="l" defTabSz="1219170" rtl="0" eaLnBrk="1" latinLnBrk="0" hangingPunct="1">
+        <a:defRPr sz="2400" kern="1200">
           <a:solidFill>
             <a:schemeClr val="tx1"/>
           </a:solidFill>
@@ -3003,8 +3003,8 @@
         </p:blipFill>
         <p:spPr>
           <a:xfrm>
-            <a:off x="780585" y="0"/>
-            <a:ext cx="6077415" cy="6034313"/>
+            <a:off x="0" y="0"/>
+            <a:ext cx="6078206" cy="6035099"/>
           </a:xfrm>
           <a:prstGeom prst="rect">
             <a:avLst/>
@@ -3032,8 +3032,8 @@
         </p:blipFill>
         <p:spPr>
           <a:xfrm>
-            <a:off x="780585" y="6034313"/>
-            <a:ext cx="6077415" cy="6034313"/>
+            <a:off x="6113796" y="-14"/>
+            <a:ext cx="6078206" cy="6035099"/>
           </a:xfrm>
           <a:prstGeom prst="rect">
             <a:avLst/>
@@ -3054,8 +3054,8 @@
         </p:nvSpPr>
         <p:spPr>
           <a:xfrm>
-            <a:off x="334536" y="0"/>
-            <a:ext cx="446049" cy="584775"/>
+            <a:off x="0" y="-39693"/>
+            <a:ext cx="446108" cy="584775"/>
           </a:xfrm>
           <a:prstGeom prst="rect">
             <a:avLst/>
@@ -3091,8 +3091,8 @@
         </p:nvSpPr>
         <p:spPr>
           <a:xfrm>
-            <a:off x="334536" y="6157688"/>
-            <a:ext cx="446049" cy="584775"/>
+            <a:off x="6113796" y="0"/>
+            <a:ext cx="446108" cy="584775"/>
           </a:xfrm>
           <a:prstGeom prst="rect">
             <a:avLst/>

--- a/plots/supplementary_material/simulations_3d.pptx
+++ b/plots/supplementary_material/simulations_3d.pptx
@@ -254,7 +254,7 @@
           <a:p>
             <a:fld id="{233421D4-8BC5-964A-874D-0AA85E78EE4C}" type="datetimeFigureOut">
               <a:rPr lang="en-GB" smtClean="0"/>
-              <a:t>15/04/2022</a:t>
+              <a:t>11/05/2022</a:t>
             </a:fld>
             <a:endParaRPr lang="en-GB"/>
           </a:p>
@@ -424,7 +424,7 @@
           <a:p>
             <a:fld id="{233421D4-8BC5-964A-874D-0AA85E78EE4C}" type="datetimeFigureOut">
               <a:rPr lang="en-GB" smtClean="0"/>
-              <a:t>15/04/2022</a:t>
+              <a:t>11/05/2022</a:t>
             </a:fld>
             <a:endParaRPr lang="en-GB"/>
           </a:p>
@@ -604,7 +604,7 @@
           <a:p>
             <a:fld id="{233421D4-8BC5-964A-874D-0AA85E78EE4C}" type="datetimeFigureOut">
               <a:rPr lang="en-GB" smtClean="0"/>
-              <a:t>15/04/2022</a:t>
+              <a:t>11/05/2022</a:t>
             </a:fld>
             <a:endParaRPr lang="en-GB"/>
           </a:p>
@@ -774,7 +774,7 @@
           <a:p>
             <a:fld id="{233421D4-8BC5-964A-874D-0AA85E78EE4C}" type="datetimeFigureOut">
               <a:rPr lang="en-GB" smtClean="0"/>
-              <a:t>15/04/2022</a:t>
+              <a:t>11/05/2022</a:t>
             </a:fld>
             <a:endParaRPr lang="en-GB"/>
           </a:p>
@@ -1018,7 +1018,7 @@
           <a:p>
             <a:fld id="{233421D4-8BC5-964A-874D-0AA85E78EE4C}" type="datetimeFigureOut">
               <a:rPr lang="en-GB" smtClean="0"/>
-              <a:t>15/04/2022</a:t>
+              <a:t>11/05/2022</a:t>
             </a:fld>
             <a:endParaRPr lang="en-GB"/>
           </a:p>
@@ -1250,7 +1250,7 @@
           <a:p>
             <a:fld id="{233421D4-8BC5-964A-874D-0AA85E78EE4C}" type="datetimeFigureOut">
               <a:rPr lang="en-GB" smtClean="0"/>
-              <a:t>15/04/2022</a:t>
+              <a:t>11/05/2022</a:t>
             </a:fld>
             <a:endParaRPr lang="en-GB"/>
           </a:p>
@@ -1617,7 +1617,7 @@
           <a:p>
             <a:fld id="{233421D4-8BC5-964A-874D-0AA85E78EE4C}" type="datetimeFigureOut">
               <a:rPr lang="en-GB" smtClean="0"/>
-              <a:t>15/04/2022</a:t>
+              <a:t>11/05/2022</a:t>
             </a:fld>
             <a:endParaRPr lang="en-GB"/>
           </a:p>
@@ -1735,7 +1735,7 @@
           <a:p>
             <a:fld id="{233421D4-8BC5-964A-874D-0AA85E78EE4C}" type="datetimeFigureOut">
               <a:rPr lang="en-GB" smtClean="0"/>
-              <a:t>15/04/2022</a:t>
+              <a:t>11/05/2022</a:t>
             </a:fld>
             <a:endParaRPr lang="en-GB"/>
           </a:p>
@@ -1830,7 +1830,7 @@
           <a:p>
             <a:fld id="{233421D4-8BC5-964A-874D-0AA85E78EE4C}" type="datetimeFigureOut">
               <a:rPr lang="en-GB" smtClean="0"/>
-              <a:t>15/04/2022</a:t>
+              <a:t>11/05/2022</a:t>
             </a:fld>
             <a:endParaRPr lang="en-GB"/>
           </a:p>
@@ -2107,7 +2107,7 @@
           <a:p>
             <a:fld id="{233421D4-8BC5-964A-874D-0AA85E78EE4C}" type="datetimeFigureOut">
               <a:rPr lang="en-GB" smtClean="0"/>
-              <a:t>15/04/2022</a:t>
+              <a:t>11/05/2022</a:t>
             </a:fld>
             <a:endParaRPr lang="en-GB"/>
           </a:p>
@@ -2364,7 +2364,7 @@
           <a:p>
             <a:fld id="{233421D4-8BC5-964A-874D-0AA85E78EE4C}" type="datetimeFigureOut">
               <a:rPr lang="en-GB" smtClean="0"/>
-              <a:t>15/04/2022</a:t>
+              <a:t>11/05/2022</a:t>
             </a:fld>
             <a:endParaRPr lang="en-GB"/>
           </a:p>
@@ -2577,7 +2577,7 @@
           <a:p>
             <a:fld id="{233421D4-8BC5-964A-874D-0AA85E78EE4C}" type="datetimeFigureOut">
               <a:rPr lang="en-GB" smtClean="0"/>
-              <a:t>15/04/2022</a:t>
+              <a:t>11/05/2022</a:t>
             </a:fld>
             <a:endParaRPr lang="en-GB"/>
           </a:p>
@@ -2984,10 +2984,10 @@
       </p:grpSpPr>
       <p:pic>
         <p:nvPicPr>
-          <p:cNvPr id="5" name="Picture 4">
+          <p:cNvPr id="3" name="Picture 2">
             <a:extLst>
               <a:ext uri="{FF2B5EF4-FFF2-40B4-BE49-F238E27FC236}">
-                <a16:creationId xmlns:a16="http://schemas.microsoft.com/office/drawing/2014/main" id="{DD1072FD-8771-D744-86CF-AFFEDCD8659C}"/>
+                <a16:creationId xmlns:a16="http://schemas.microsoft.com/office/drawing/2014/main" id="{F2C5FDE0-BC45-FD75-0941-1842BB4249B4}"/>
               </a:ext>
             </a:extLst>
           </p:cNvPr>
@@ -2998,13 +2998,13 @@
         </p:nvPicPr>
         <p:blipFill rotWithShape="1">
           <a:blip r:embed="rId2"/>
-          <a:srcRect l="4228" t="3902" r="4064" b="5040"/>
+          <a:srcRect l="4943" t="4102" r="3539" b="6398"/>
           <a:stretch/>
         </p:blipFill>
         <p:spPr>
           <a:xfrm>
             <a:off x="0" y="0"/>
-            <a:ext cx="6078206" cy="6035099"/>
+            <a:ext cx="5821613" cy="5693229"/>
           </a:xfrm>
           <a:prstGeom prst="rect">
             <a:avLst/>
@@ -3013,10 +3013,10 @@
       </p:pic>
       <p:pic>
         <p:nvPicPr>
-          <p:cNvPr id="7" name="Picture 6">
+          <p:cNvPr id="6" name="Picture 5">
             <a:extLst>
               <a:ext uri="{FF2B5EF4-FFF2-40B4-BE49-F238E27FC236}">
-                <a16:creationId xmlns:a16="http://schemas.microsoft.com/office/drawing/2014/main" id="{BD4816CE-ABE9-4344-A047-A12ED817A721}"/>
+                <a16:creationId xmlns:a16="http://schemas.microsoft.com/office/drawing/2014/main" id="{63E18F1B-40DA-3AEB-6721-EF63554CE75C}"/>
               </a:ext>
             </a:extLst>
           </p:cNvPr>
@@ -3027,13 +3027,13 @@
         </p:nvPicPr>
         <p:blipFill rotWithShape="1">
           <a:blip r:embed="rId3"/>
-          <a:srcRect l="3902" t="3198" r="4390" b="5746"/>
+          <a:srcRect l="5539" t="4102" r="2944" b="6398"/>
           <a:stretch/>
         </p:blipFill>
         <p:spPr>
           <a:xfrm>
-            <a:off x="6113796" y="-14"/>
-            <a:ext cx="6078206" cy="6035099"/>
+            <a:off x="6113796" y="0"/>
+            <a:ext cx="5821613" cy="5693229"/>
           </a:xfrm>
           <a:prstGeom prst="rect">
             <a:avLst/>
